--- a/Презентация.pptx
+++ b/Презентация.pptx
@@ -4154,7 +4154,7 @@
           <a:blip r:embed="rId3" cstate="print">
             <a:extLst>
               <a:ext uri="{28A0092B-C50C-407E-A947-70E740481C1C}">
-                <a14:useLocalDpi xmlns="" xmlns:lc="http://schemas.openxmlformats.org/drawingml/2006/lockedCanvas" xmlns:a14="http://schemas.microsoft.com/office/drawing/2010/main" val="0"/>
+                <a14:useLocalDpi xmlns:a14="http://schemas.microsoft.com/office/drawing/2010/main" xmlns:lc="http://schemas.openxmlformats.org/drawingml/2006/lockedCanvas" xmlns="" val="0"/>
               </a:ext>
             </a:extLst>
           </a:blip>
@@ -4629,7 +4629,7 @@
           <a:blip r:embed="rId2" cstate="print">
             <a:extLst>
               <a:ext uri="{BEBA8EAE-BF5A-486C-A8C5-ECC9F3942E4B}">
-                <a14:imgProps xmlns:a14="http://schemas.microsoft.com/office/drawing/2010/main" xmlns:lc="http://schemas.openxmlformats.org/drawingml/2006/lockedCanvas" xmlns="">
+                <a14:imgProps xmlns="" xmlns:lc="http://schemas.openxmlformats.org/drawingml/2006/lockedCanvas" xmlns:a14="http://schemas.microsoft.com/office/drawing/2010/main">
                   <a14:imgLayer r:embed="rId3">
                     <a14:imgEffect>
                       <a14:sharpenSoften amount="50000"/>
@@ -4688,37 +4688,13 @@
           <a:chExt cx="0" cy="0"/>
         </a:xfrm>
       </p:grpSpPr>
-      <p:sp>
-        <p:nvSpPr>
-          <p:cNvPr id="2" name="Заголовок 1"/>
-          <p:cNvSpPr>
-            <a:spLocks noGrp="1"/>
-          </p:cNvSpPr>
-          <p:nvPr>
-            <p:ph type="title"/>
-          </p:nvPr>
-        </p:nvSpPr>
-        <p:spPr>
-          <a:xfrm>
-            <a:off x="323528" y="274638"/>
-            <a:ext cx="8496944" cy="6034682"/>
-          </a:xfrm>
-        </p:spPr>
-        <p:txBody>
-          <a:bodyPr/>
-          <a:lstStyle/>
-          <a:p>
-            <a:endParaRPr lang="ru-RU" dirty="0"/>
-          </a:p>
-        </p:txBody>
-      </p:sp>
       <p:pic>
         <p:nvPicPr>
-          <p:cNvPr id="4" name="Shop.wmv">
+          <p:cNvPr id="8" name="Shop Video.wmv">
             <a:hlinkClick r:id="" action="ppaction://media"/>
           </p:cNvPr>
-          <p:cNvPicPr>
-            <a:picLocks noRot="1" noChangeAspect="1"/>
+          <p:cNvPicPr preferRelativeResize="0">
+            <a:picLocks noRot="1"/>
           </p:cNvPicPr>
           <p:nvPr>
             <a:videoFile r:link="rId1"/>
@@ -4732,8 +4708,8 @@
         </p:blipFill>
         <p:spPr>
           <a:xfrm>
-            <a:off x="323528" y="260648"/>
-            <a:ext cx="8496944" cy="6048672"/>
+            <a:off x="179512" y="764704"/>
+            <a:ext cx="8784976" cy="5544616"/>
           </a:xfrm>
           <a:prstGeom prst="rect">
             <a:avLst/>
@@ -4776,9 +4752,9 @@
                                   <p:childTnLst>
                                     <p:cmd type="call" cmd="playFrom(0.0)">
                                       <p:cBhvr>
-                                        <p:cTn id="6" dur="945153" fill="hold"/>
+                                        <p:cTn id="6" dur="761599" fill="hold"/>
                                         <p:tgtEl>
-                                          <p:spTgt spid="4"/>
+                                          <p:spTgt spid="8"/>
                                         </p:tgtEl>
                                       </p:cBhvr>
                                     </p:cmd>
@@ -4828,7 +4804,7 @@
                   </p:endCondLst>
                 </p:cTn>
                 <p:tgtEl>
-                  <p:spTgt spid="4"/>
+                  <p:spTgt spid="8"/>
                 </p:tgtEl>
               </p:cMediaNode>
             </p:video>
@@ -4837,7 +4813,7 @@
                 <p:stCondLst>
                   <p:cond evt="onClick" delay="0">
                     <p:tgtEl>
-                      <p:spTgt spid="4"/>
+                      <p:spTgt spid="8"/>
                     </p:tgtEl>
                   </p:cond>
                 </p:stCondLst>
@@ -4867,7 +4843,7 @@
                                       <p:cBhvr>
                                         <p:cTn id="12" dur="1" fill="hold"/>
                                         <p:tgtEl>
-                                          <p:spTgt spid="4"/>
+                                          <p:spTgt spid="8"/>
                                         </p:tgtEl>
                                       </p:cBhvr>
                                     </p:cmd>
@@ -4885,7 +4861,7 @@
               <p:nextCondLst>
                 <p:cond evt="onClick" delay="0">
                   <p:tgtEl>
-                    <p:spTgt spid="4"/>
+                    <p:spTgt spid="8"/>
                   </p:tgtEl>
                 </p:cond>
               </p:nextCondLst>
@@ -6721,7 +6697,7 @@
           </a:ln>
           <a:extLst>
             <a:ext uri="{53640926-AAD7-44D8-BBD7-CCE9431645EC}">
-              <a14:shadowObscured xmlns:a14="http://schemas.microsoft.com/office/drawing/2010/main" xmlns:lc="http://schemas.openxmlformats.org/drawingml/2006/lockedCanvas" xmlns=""/>
+              <a14:shadowObscured xmlns="" xmlns:lc="http://schemas.openxmlformats.org/drawingml/2006/lockedCanvas" xmlns:a14="http://schemas.microsoft.com/office/drawing/2010/main"/>
             </a:ext>
           </a:extLst>
         </p:spPr>
@@ -6750,7 +6726,7 @@
           </a:ln>
           <a:extLst>
             <a:ext uri="{53640926-AAD7-44D8-BBD7-CCE9431645EC}">
-              <a14:shadowObscured xmlns:a14="http://schemas.microsoft.com/office/drawing/2010/main" xmlns:lc="http://schemas.openxmlformats.org/drawingml/2006/lockedCanvas" xmlns=""/>
+              <a14:shadowObscured xmlns="" xmlns:lc="http://schemas.openxmlformats.org/drawingml/2006/lockedCanvas" xmlns:a14="http://schemas.microsoft.com/office/drawing/2010/main"/>
             </a:ext>
           </a:extLst>
         </p:spPr>
